--- a/Apresentação projeto individual.pptx
+++ b/Apresentação projeto individual.pptx
@@ -107,6 +107,11 @@
       </a:defRPr>
     </a:lvl9pPr>
   </p:defaultTextStyle>
+  <p:extLst>
+    <p:ext uri="{EFAFB233-063F-42B5-8137-9DF3F51BA10A}">
+      <p15:sldGuideLst xmlns:p15="http://schemas.microsoft.com/office/powerpoint/2012/main"/>
+    </p:ext>
+  </p:extLst>
 </p:presentation>
 </file>
 
@@ -257,7 +262,7 @@
           <a:p>
             <a:fld id="{73344C5C-3445-4015-8CFF-2743EF42D90F}" type="datetimeFigureOut">
               <a:rPr lang="pt-BR" smtClean="0"/>
-              <a:t>29/05/2021</a:t>
+              <a:t>30/05/2021</a:t>
             </a:fld>
             <a:endParaRPr lang="pt-BR"/>
           </a:p>
@@ -455,7 +460,7 @@
           <a:p>
             <a:fld id="{73344C5C-3445-4015-8CFF-2743EF42D90F}" type="datetimeFigureOut">
               <a:rPr lang="pt-BR" smtClean="0"/>
-              <a:t>29/05/2021</a:t>
+              <a:t>30/05/2021</a:t>
             </a:fld>
             <a:endParaRPr lang="pt-BR"/>
           </a:p>
@@ -663,7 +668,7 @@
           <a:p>
             <a:fld id="{73344C5C-3445-4015-8CFF-2743EF42D90F}" type="datetimeFigureOut">
               <a:rPr lang="pt-BR" smtClean="0"/>
-              <a:t>29/05/2021</a:t>
+              <a:t>30/05/2021</a:t>
             </a:fld>
             <a:endParaRPr lang="pt-BR"/>
           </a:p>
@@ -861,7 +866,7 @@
           <a:p>
             <a:fld id="{73344C5C-3445-4015-8CFF-2743EF42D90F}" type="datetimeFigureOut">
               <a:rPr lang="pt-BR" smtClean="0"/>
-              <a:t>29/05/2021</a:t>
+              <a:t>30/05/2021</a:t>
             </a:fld>
             <a:endParaRPr lang="pt-BR"/>
           </a:p>
@@ -1136,7 +1141,7 @@
           <a:p>
             <a:fld id="{73344C5C-3445-4015-8CFF-2743EF42D90F}" type="datetimeFigureOut">
               <a:rPr lang="pt-BR" smtClean="0"/>
-              <a:t>29/05/2021</a:t>
+              <a:t>30/05/2021</a:t>
             </a:fld>
             <a:endParaRPr lang="pt-BR"/>
           </a:p>
@@ -1401,7 +1406,7 @@
           <a:p>
             <a:fld id="{73344C5C-3445-4015-8CFF-2743EF42D90F}" type="datetimeFigureOut">
               <a:rPr lang="pt-BR" smtClean="0"/>
-              <a:t>29/05/2021</a:t>
+              <a:t>30/05/2021</a:t>
             </a:fld>
             <a:endParaRPr lang="pt-BR"/>
           </a:p>
@@ -1813,7 +1818,7 @@
           <a:p>
             <a:fld id="{73344C5C-3445-4015-8CFF-2743EF42D90F}" type="datetimeFigureOut">
               <a:rPr lang="pt-BR" smtClean="0"/>
-              <a:t>29/05/2021</a:t>
+              <a:t>30/05/2021</a:t>
             </a:fld>
             <a:endParaRPr lang="pt-BR"/>
           </a:p>
@@ -1954,7 +1959,7 @@
           <a:p>
             <a:fld id="{73344C5C-3445-4015-8CFF-2743EF42D90F}" type="datetimeFigureOut">
               <a:rPr lang="pt-BR" smtClean="0"/>
-              <a:t>29/05/2021</a:t>
+              <a:t>30/05/2021</a:t>
             </a:fld>
             <a:endParaRPr lang="pt-BR"/>
           </a:p>
@@ -2067,7 +2072,7 @@
           <a:p>
             <a:fld id="{73344C5C-3445-4015-8CFF-2743EF42D90F}" type="datetimeFigureOut">
               <a:rPr lang="pt-BR" smtClean="0"/>
-              <a:t>29/05/2021</a:t>
+              <a:t>30/05/2021</a:t>
             </a:fld>
             <a:endParaRPr lang="pt-BR"/>
           </a:p>
@@ -2378,7 +2383,7 @@
           <a:p>
             <a:fld id="{73344C5C-3445-4015-8CFF-2743EF42D90F}" type="datetimeFigureOut">
               <a:rPr lang="pt-BR" smtClean="0"/>
-              <a:t>29/05/2021</a:t>
+              <a:t>30/05/2021</a:t>
             </a:fld>
             <a:endParaRPr lang="pt-BR"/>
           </a:p>
@@ -2666,7 +2671,7 @@
           <a:p>
             <a:fld id="{73344C5C-3445-4015-8CFF-2743EF42D90F}" type="datetimeFigureOut">
               <a:rPr lang="pt-BR" smtClean="0"/>
-              <a:t>29/05/2021</a:t>
+              <a:t>30/05/2021</a:t>
             </a:fld>
             <a:endParaRPr lang="pt-BR"/>
           </a:p>
@@ -2907,7 +2912,7 @@
           <a:p>
             <a:fld id="{73344C5C-3445-4015-8CFF-2743EF42D90F}" type="datetimeFigureOut">
               <a:rPr lang="pt-BR" smtClean="0"/>
-              <a:t>29/05/2021</a:t>
+              <a:t>30/05/2021</a:t>
             </a:fld>
             <a:endParaRPr lang="pt-BR"/>
           </a:p>
@@ -4887,13 +4892,18 @@
           <a:p>
             <a:pPr algn="ctr"/>
             <a:r>
-              <a:rPr lang="pt-BR" sz="5400" dirty="0">
+              <a:rPr lang="pt-BR" sz="5400">
                 <a:solidFill>
                   <a:srgbClr val="534F46"/>
                 </a:solidFill>
               </a:rPr>
               <a:t>Muito obrigado pela atenção</a:t>
             </a:r>
+            <a:endParaRPr lang="pt-BR" sz="5400" dirty="0">
+              <a:solidFill>
+                <a:srgbClr val="534F46"/>
+              </a:solidFill>
+            </a:endParaRPr>
           </a:p>
         </p:txBody>
       </p:sp>

--- a/Apresentação projeto individual.pptx
+++ b/Apresentação projeto individual.pptx
@@ -8,7 +8,8 @@
     <p:sldId id="256" r:id="rId2"/>
     <p:sldId id="257" r:id="rId3"/>
     <p:sldId id="258" r:id="rId4"/>
-    <p:sldId id="260" r:id="rId5"/>
+    <p:sldId id="261" r:id="rId5"/>
+    <p:sldId id="260" r:id="rId6"/>
   </p:sldIdLst>
   <p:sldSz cx="12192000" cy="6858000"/>
   <p:notesSz cx="6858000" cy="9144000"/>
@@ -4864,6 +4865,125 @@
       </p:grpSpPr>
       <p:sp>
         <p:nvSpPr>
+          <p:cNvPr id="49" name="CaixaDeTexto 48">
+            <a:extLst>
+              <a:ext uri="{FF2B5EF4-FFF2-40B4-BE49-F238E27FC236}">
+                <a16:creationId xmlns:a16="http://schemas.microsoft.com/office/drawing/2014/main" id="{14E0CCC1-C94E-421D-86B4-B5EA311A74DE}"/>
+              </a:ext>
+            </a:extLst>
+          </p:cNvPr>
+          <p:cNvSpPr txBox="1"/>
+          <p:nvPr/>
+        </p:nvSpPr>
+        <p:spPr>
+          <a:xfrm>
+            <a:off x="324683" y="478172"/>
+            <a:ext cx="3265805" cy="707886"/>
+          </a:xfrm>
+          <a:prstGeom prst="rect">
+            <a:avLst/>
+          </a:prstGeom>
+          <a:noFill/>
+        </p:spPr>
+        <p:txBody>
+          <a:bodyPr wrap="square" rtlCol="0">
+            <a:spAutoFit/>
+          </a:bodyPr>
+          <a:lstStyle/>
+          <a:p>
+            <a:r>
+              <a:rPr lang="pt-BR" sz="4000" dirty="0">
+                <a:solidFill>
+                  <a:srgbClr val="534F46"/>
+                </a:solidFill>
+              </a:rPr>
+              <a:t>Modelo Lógico</a:t>
+            </a:r>
+          </a:p>
+        </p:txBody>
+      </p:sp>
+      <p:pic>
+        <p:nvPicPr>
+          <p:cNvPr id="3" name="Imagem 2" descr="Uma imagem contendo Diagrama&#10;&#10;Descrição gerada automaticamente">
+            <a:extLst>
+              <a:ext uri="{FF2B5EF4-FFF2-40B4-BE49-F238E27FC236}">
+                <a16:creationId xmlns:a16="http://schemas.microsoft.com/office/drawing/2014/main" id="{15CFF40F-02B1-4883-AF4E-EC83224C9203}"/>
+              </a:ext>
+            </a:extLst>
+          </p:cNvPr>
+          <p:cNvPicPr>
+            <a:picLocks noChangeAspect="1"/>
+          </p:cNvPicPr>
+          <p:nvPr/>
+        </p:nvPicPr>
+        <p:blipFill>
+          <a:blip r:embed="rId3">
+            <a:extLst>
+              <a:ext uri="{28A0092B-C50C-407E-A947-70E740481C1C}">
+                <a14:useLocalDpi xmlns:a14="http://schemas.microsoft.com/office/drawing/2010/main" val="0"/>
+              </a:ext>
+            </a:extLst>
+          </a:blip>
+          <a:stretch>
+            <a:fillRect/>
+          </a:stretch>
+        </p:blipFill>
+        <p:spPr>
+          <a:xfrm>
+            <a:off x="2252126" y="1337970"/>
+            <a:ext cx="7687748" cy="4182059"/>
+          </a:xfrm>
+          <a:prstGeom prst="rect">
+            <a:avLst/>
+          </a:prstGeom>
+        </p:spPr>
+      </p:pic>
+    </p:spTree>
+    <p:extLst>
+      <p:ext uri="{BB962C8B-B14F-4D97-AF65-F5344CB8AC3E}">
+        <p14:creationId xmlns:p14="http://schemas.microsoft.com/office/powerpoint/2010/main" val="1707755266"/>
+      </p:ext>
+    </p:extLst>
+  </p:cSld>
+  <p:clrMapOvr>
+    <a:masterClrMapping/>
+  </p:clrMapOvr>
+</p:sld>
+</file>
+
+<file path=ppt/slides/slide5.xml><?xml version="1.0" encoding="utf-8"?>
+<p:sld xmlns:a="http://schemas.openxmlformats.org/drawingml/2006/main" xmlns:r="http://schemas.openxmlformats.org/officeDocument/2006/relationships" xmlns:p="http://schemas.openxmlformats.org/presentationml/2006/main">
+  <p:cSld>
+    <p:bg>
+      <p:bgPr>
+        <a:blipFill dpi="0" rotWithShape="1">
+          <a:blip r:embed="rId2">
+            <a:lum/>
+          </a:blip>
+          <a:srcRect/>
+          <a:stretch>
+            <a:fillRect/>
+          </a:stretch>
+        </a:blipFill>
+        <a:effectLst/>
+      </p:bgPr>
+    </p:bg>
+    <p:spTree>
+      <p:nvGrpSpPr>
+        <p:cNvPr id="1" name=""/>
+        <p:cNvGrpSpPr/>
+        <p:nvPr/>
+      </p:nvGrpSpPr>
+      <p:grpSpPr>
+        <a:xfrm>
+          <a:off x="0" y="0"/>
+          <a:ext cx="0" cy="0"/>
+          <a:chOff x="0" y="0"/>
+          <a:chExt cx="0" cy="0"/>
+        </a:xfrm>
+      </p:grpSpPr>
+      <p:sp>
+        <p:nvSpPr>
           <p:cNvPr id="2" name="Título 1">
             <a:extLst>
               <a:ext uri="{FF2B5EF4-FFF2-40B4-BE49-F238E27FC236}">

--- a/Apresentação projeto individual.pptx
+++ b/Apresentação projeto individual.pptx
@@ -8,8 +8,10 @@
     <p:sldId id="256" r:id="rId2"/>
     <p:sldId id="257" r:id="rId3"/>
     <p:sldId id="258" r:id="rId4"/>
-    <p:sldId id="261" r:id="rId5"/>
-    <p:sldId id="260" r:id="rId6"/>
+    <p:sldId id="262" r:id="rId5"/>
+    <p:sldId id="263" r:id="rId6"/>
+    <p:sldId id="261" r:id="rId7"/>
+    <p:sldId id="260" r:id="rId8"/>
   </p:sldIdLst>
   <p:sldSz cx="12192000" cy="6858000"/>
   <p:notesSz cx="6858000" cy="9144000"/>
@@ -263,7 +265,7 @@
           <a:p>
             <a:fld id="{73344C5C-3445-4015-8CFF-2743EF42D90F}" type="datetimeFigureOut">
               <a:rPr lang="pt-BR" smtClean="0"/>
-              <a:t>30/05/2021</a:t>
+              <a:t>31/05/2021</a:t>
             </a:fld>
             <a:endParaRPr lang="pt-BR"/>
           </a:p>
@@ -461,7 +463,7 @@
           <a:p>
             <a:fld id="{73344C5C-3445-4015-8CFF-2743EF42D90F}" type="datetimeFigureOut">
               <a:rPr lang="pt-BR" smtClean="0"/>
-              <a:t>30/05/2021</a:t>
+              <a:t>31/05/2021</a:t>
             </a:fld>
             <a:endParaRPr lang="pt-BR"/>
           </a:p>
@@ -669,7 +671,7 @@
           <a:p>
             <a:fld id="{73344C5C-3445-4015-8CFF-2743EF42D90F}" type="datetimeFigureOut">
               <a:rPr lang="pt-BR" smtClean="0"/>
-              <a:t>30/05/2021</a:t>
+              <a:t>31/05/2021</a:t>
             </a:fld>
             <a:endParaRPr lang="pt-BR"/>
           </a:p>
@@ -867,7 +869,7 @@
           <a:p>
             <a:fld id="{73344C5C-3445-4015-8CFF-2743EF42D90F}" type="datetimeFigureOut">
               <a:rPr lang="pt-BR" smtClean="0"/>
-              <a:t>30/05/2021</a:t>
+              <a:t>31/05/2021</a:t>
             </a:fld>
             <a:endParaRPr lang="pt-BR"/>
           </a:p>
@@ -1142,7 +1144,7 @@
           <a:p>
             <a:fld id="{73344C5C-3445-4015-8CFF-2743EF42D90F}" type="datetimeFigureOut">
               <a:rPr lang="pt-BR" smtClean="0"/>
-              <a:t>30/05/2021</a:t>
+              <a:t>31/05/2021</a:t>
             </a:fld>
             <a:endParaRPr lang="pt-BR"/>
           </a:p>
@@ -1407,7 +1409,7 @@
           <a:p>
             <a:fld id="{73344C5C-3445-4015-8CFF-2743EF42D90F}" type="datetimeFigureOut">
               <a:rPr lang="pt-BR" smtClean="0"/>
-              <a:t>30/05/2021</a:t>
+              <a:t>31/05/2021</a:t>
             </a:fld>
             <a:endParaRPr lang="pt-BR"/>
           </a:p>
@@ -1819,7 +1821,7 @@
           <a:p>
             <a:fld id="{73344C5C-3445-4015-8CFF-2743EF42D90F}" type="datetimeFigureOut">
               <a:rPr lang="pt-BR" smtClean="0"/>
-              <a:t>30/05/2021</a:t>
+              <a:t>31/05/2021</a:t>
             </a:fld>
             <a:endParaRPr lang="pt-BR"/>
           </a:p>
@@ -1960,7 +1962,7 @@
           <a:p>
             <a:fld id="{73344C5C-3445-4015-8CFF-2743EF42D90F}" type="datetimeFigureOut">
               <a:rPr lang="pt-BR" smtClean="0"/>
-              <a:t>30/05/2021</a:t>
+              <a:t>31/05/2021</a:t>
             </a:fld>
             <a:endParaRPr lang="pt-BR"/>
           </a:p>
@@ -2073,7 +2075,7 @@
           <a:p>
             <a:fld id="{73344C5C-3445-4015-8CFF-2743EF42D90F}" type="datetimeFigureOut">
               <a:rPr lang="pt-BR" smtClean="0"/>
-              <a:t>30/05/2021</a:t>
+              <a:t>31/05/2021</a:t>
             </a:fld>
             <a:endParaRPr lang="pt-BR"/>
           </a:p>
@@ -2384,7 +2386,7 @@
           <a:p>
             <a:fld id="{73344C5C-3445-4015-8CFF-2743EF42D90F}" type="datetimeFigureOut">
               <a:rPr lang="pt-BR" smtClean="0"/>
-              <a:t>30/05/2021</a:t>
+              <a:t>31/05/2021</a:t>
             </a:fld>
             <a:endParaRPr lang="pt-BR"/>
           </a:p>
@@ -2672,7 +2674,7 @@
           <a:p>
             <a:fld id="{73344C5C-3445-4015-8CFF-2743EF42D90F}" type="datetimeFigureOut">
               <a:rPr lang="pt-BR" smtClean="0"/>
-              <a:t>30/05/2021</a:t>
+              <a:t>31/05/2021</a:t>
             </a:fld>
             <a:endParaRPr lang="pt-BR"/>
           </a:p>
@@ -2913,7 +2915,7 @@
           <a:p>
             <a:fld id="{73344C5C-3445-4015-8CFF-2743EF42D90F}" type="datetimeFigureOut">
               <a:rPr lang="pt-BR" smtClean="0"/>
-              <a:t>30/05/2021</a:t>
+              <a:t>31/05/2021</a:t>
             </a:fld>
             <a:endParaRPr lang="pt-BR"/>
           </a:p>
@@ -4837,6 +4839,738 @@
   <p:cSld>
     <p:bg>
       <p:bgPr>
+        <a:solidFill>
+          <a:schemeClr val="bg1"/>
+        </a:solidFill>
+        <a:effectLst/>
+      </p:bgPr>
+    </p:bg>
+    <p:spTree>
+      <p:nvGrpSpPr>
+        <p:cNvPr id="1" name=""/>
+        <p:cNvGrpSpPr/>
+        <p:nvPr/>
+      </p:nvGrpSpPr>
+      <p:grpSpPr>
+        <a:xfrm>
+          <a:off x="0" y="0"/>
+          <a:ext cx="0" cy="0"/>
+          <a:chOff x="0" y="0"/>
+          <a:chExt cx="0" cy="0"/>
+        </a:xfrm>
+      </p:grpSpPr>
+      <p:pic>
+        <p:nvPicPr>
+          <p:cNvPr id="3" name="Imagem 2">
+            <a:extLst>
+              <a:ext uri="{FF2B5EF4-FFF2-40B4-BE49-F238E27FC236}">
+                <a16:creationId xmlns:a16="http://schemas.microsoft.com/office/drawing/2014/main" id="{2341261E-F220-4DC4-8752-DFF1118A3F82}"/>
+              </a:ext>
+            </a:extLst>
+          </p:cNvPr>
+          <p:cNvPicPr>
+            <a:picLocks noChangeAspect="1"/>
+          </p:cNvPicPr>
+          <p:nvPr/>
+        </p:nvPicPr>
+        <p:blipFill rotWithShape="1">
+          <a:blip r:embed="rId2"/>
+          <a:srcRect r="8444" b="-1"/>
+          <a:stretch/>
+        </p:blipFill>
+        <p:spPr>
+          <a:xfrm>
+            <a:off x="20" y="10"/>
+            <a:ext cx="12191980" cy="6857990"/>
+          </a:xfrm>
+          <a:prstGeom prst="rect">
+            <a:avLst/>
+          </a:prstGeom>
+        </p:spPr>
+      </p:pic>
+      <p:sp>
+        <p:nvSpPr>
+          <p:cNvPr id="54" name="Freeform 5">
+            <a:extLst>
+              <a:ext uri="{FF2B5EF4-FFF2-40B4-BE49-F238E27FC236}">
+                <a16:creationId xmlns:a16="http://schemas.microsoft.com/office/drawing/2014/main" id="{87CC2527-562A-4F69-B487-4371E5B243E7}"/>
+              </a:ext>
+              <a:ext uri="{C183D7F6-B498-43B3-948B-1728B52AA6E4}">
+                <adec:decorative xmlns:adec="http://schemas.microsoft.com/office/drawing/2017/decorative" val="1"/>
+              </a:ext>
+            </a:extLst>
+          </p:cNvPr>
+          <p:cNvSpPr>
+            <a:spLocks noGrp="1" noRot="1" noChangeAspect="1" noMove="1" noResize="1" noEditPoints="1" noAdjustHandles="1" noChangeArrowheads="1" noChangeShapeType="1" noTextEdit="1"/>
+          </p:cNvSpPr>
+          <p:nvPr>
+            <p:extLst>
+              <p:ext uri="{386F3935-93C4-4BCD-93E2-E3B085C9AB24}">
+                <p16:designElem xmlns:p16="http://schemas.microsoft.com/office/powerpoint/2015/main" val="1"/>
+              </p:ext>
+            </p:extLst>
+          </p:nvPr>
+        </p:nvSpPr>
+        <p:spPr bwMode="grayWhite">
+          <a:xfrm>
+            <a:off x="7488621" y="2277613"/>
+            <a:ext cx="4703379" cy="4580387"/>
+          </a:xfrm>
+          <a:custGeom>
+            <a:avLst/>
+            <a:gdLst>
+              <a:gd name="T0" fmla="*/ 1333 w 1333"/>
+              <a:gd name="T1" fmla="*/ 1031 h 1298"/>
+              <a:gd name="T2" fmla="*/ 1333 w 1333"/>
+              <a:gd name="T3" fmla="*/ 380 h 1298"/>
+              <a:gd name="T4" fmla="*/ 706 w 1333"/>
+              <a:gd name="T5" fmla="*/ 0 h 1298"/>
+              <a:gd name="T6" fmla="*/ 0 w 1333"/>
+              <a:gd name="T7" fmla="*/ 706 h 1298"/>
+              <a:gd name="T8" fmla="*/ 323 w 1333"/>
+              <a:gd name="T9" fmla="*/ 1298 h 1298"/>
+              <a:gd name="T10" fmla="*/ 1090 w 1333"/>
+              <a:gd name="T11" fmla="*/ 1298 h 1298"/>
+              <a:gd name="T12" fmla="*/ 1333 w 1333"/>
+              <a:gd name="T13" fmla="*/ 1031 h 1298"/>
+            </a:gdLst>
+            <a:ahLst/>
+            <a:cxnLst>
+              <a:cxn ang="0">
+                <a:pos x="T0" y="T1"/>
+              </a:cxn>
+              <a:cxn ang="0">
+                <a:pos x="T2" y="T3"/>
+              </a:cxn>
+              <a:cxn ang="0">
+                <a:pos x="T4" y="T5"/>
+              </a:cxn>
+              <a:cxn ang="0">
+                <a:pos x="T6" y="T7"/>
+              </a:cxn>
+              <a:cxn ang="0">
+                <a:pos x="T8" y="T9"/>
+              </a:cxn>
+              <a:cxn ang="0">
+                <a:pos x="T10" y="T11"/>
+              </a:cxn>
+              <a:cxn ang="0">
+                <a:pos x="T12" y="T13"/>
+              </a:cxn>
+            </a:cxnLst>
+            <a:rect l="0" t="0" r="r" b="b"/>
+            <a:pathLst>
+              <a:path w="1333" h="1298">
+                <a:moveTo>
+                  <a:pt x="1333" y="1031"/>
+                </a:moveTo>
+                <a:cubicBezTo>
+                  <a:pt x="1333" y="380"/>
+                  <a:pt x="1333" y="380"/>
+                  <a:pt x="1333" y="380"/>
+                </a:cubicBezTo>
+                <a:cubicBezTo>
+                  <a:pt x="1215" y="154"/>
+                  <a:pt x="979" y="0"/>
+                  <a:pt x="706" y="0"/>
+                </a:cubicBezTo>
+                <a:cubicBezTo>
+                  <a:pt x="317" y="0"/>
+                  <a:pt x="0" y="316"/>
+                  <a:pt x="0" y="706"/>
+                </a:cubicBezTo>
+                <a:cubicBezTo>
+                  <a:pt x="0" y="954"/>
+                  <a:pt x="129" y="1172"/>
+                  <a:pt x="323" y="1298"/>
+                </a:cubicBezTo>
+                <a:cubicBezTo>
+                  <a:pt x="1090" y="1298"/>
+                  <a:pt x="1090" y="1298"/>
+                  <a:pt x="1090" y="1298"/>
+                </a:cubicBezTo>
+                <a:cubicBezTo>
+                  <a:pt x="1193" y="1232"/>
+                  <a:pt x="1276" y="1140"/>
+                  <a:pt x="1333" y="1031"/>
+                </a:cubicBezTo>
+                <a:close/>
+              </a:path>
+            </a:pathLst>
+          </a:custGeom>
+          <a:solidFill>
+            <a:schemeClr val="bg1">
+              <a:alpha val="70000"/>
+            </a:schemeClr>
+          </a:solidFill>
+          <a:ln w="50800" cap="sq" cmpd="dbl">
+            <a:noFill/>
+            <a:miter lim="800000"/>
+          </a:ln>
+          <a:effectLst/>
+        </p:spPr>
+        <p:txBody>
+          <a:bodyPr vert="horz" lIns="91440" tIns="45720" rIns="91440" bIns="45720" rtlCol="0" anchor="t">
+            <a:normAutofit/>
+          </a:bodyPr>
+          <a:lstStyle/>
+          <a:p>
+            <a:pPr algn="ctr">
+              <a:spcAft>
+                <a:spcPts val="1000"/>
+              </a:spcAft>
+              <a:buClr>
+                <a:schemeClr val="tx1"/>
+              </a:buClr>
+              <a:buSzPct val="100000"/>
+              <a:buFont typeface="Arial"/>
+              <a:buNone/>
+            </a:pPr>
+            <a:endParaRPr lang="en-US" sz="1600" cap="all"/>
+          </a:p>
+        </p:txBody>
+      </p:sp>
+      <p:sp>
+        <p:nvSpPr>
+          <p:cNvPr id="49" name="CaixaDeTexto 48">
+            <a:extLst>
+              <a:ext uri="{FF2B5EF4-FFF2-40B4-BE49-F238E27FC236}">
+                <a16:creationId xmlns:a16="http://schemas.microsoft.com/office/drawing/2014/main" id="{14E0CCC1-C94E-421D-86B4-B5EA311A74DE}"/>
+              </a:ext>
+            </a:extLst>
+          </p:cNvPr>
+          <p:cNvSpPr txBox="1"/>
+          <p:nvPr/>
+        </p:nvSpPr>
+        <p:spPr>
+          <a:xfrm>
+            <a:off x="8022021" y="3231931"/>
+            <a:ext cx="3852041" cy="1834056"/>
+          </a:xfrm>
+          <a:prstGeom prst="rect">
+            <a:avLst/>
+          </a:prstGeom>
+        </p:spPr>
+        <p:txBody>
+          <a:bodyPr vert="horz" lIns="91440" tIns="45720" rIns="91440" bIns="45720" rtlCol="0" anchor="b">
+            <a:normAutofit/>
+          </a:bodyPr>
+          <a:lstStyle/>
+          <a:p>
+            <a:pPr algn="ctr">
+              <a:lnSpc>
+                <a:spcPct val="90000"/>
+              </a:lnSpc>
+              <a:spcBef>
+                <a:spcPct val="0"/>
+              </a:spcBef>
+              <a:spcAft>
+                <a:spcPts val="600"/>
+              </a:spcAft>
+            </a:pPr>
+            <a:r>
+              <a:rPr lang="en-US" sz="4000" dirty="0">
+                <a:latin typeface="+mj-lt"/>
+                <a:ea typeface="+mj-ea"/>
+                <a:cs typeface="+mj-cs"/>
+              </a:rPr>
+              <a:t>Backlog</a:t>
+            </a:r>
+          </a:p>
+        </p:txBody>
+      </p:sp>
+      <p:cxnSp>
+        <p:nvCxnSpPr>
+          <p:cNvPr id="56" name="Straight Connector 55">
+            <a:extLst>
+              <a:ext uri="{FF2B5EF4-FFF2-40B4-BE49-F238E27FC236}">
+                <a16:creationId xmlns:a16="http://schemas.microsoft.com/office/drawing/2014/main" id="{BCDAEC91-5BCE-4B55-9CC0-43EF94CB734B}"/>
+              </a:ext>
+              <a:ext uri="{C183D7F6-B498-43B3-948B-1728B52AA6E4}">
+                <adec:decorative xmlns:adec="http://schemas.microsoft.com/office/drawing/2017/decorative" val="1"/>
+              </a:ext>
+            </a:extLst>
+          </p:cNvPr>
+          <p:cNvCxnSpPr>
+            <a:cxnSpLocks noGrp="1" noRot="1" noChangeAspect="1" noMove="1" noResize="1" noEditPoints="1" noAdjustHandles="1" noChangeArrowheads="1" noChangeShapeType="1"/>
+          </p:cNvCxnSpPr>
+          <p:nvPr>
+            <p:extLst>
+              <p:ext uri="{386F3935-93C4-4BCD-93E2-E3B085C9AB24}">
+                <p16:designElem xmlns:p16="http://schemas.microsoft.com/office/powerpoint/2015/main" val="1"/>
+              </p:ext>
+            </p:extLst>
+          </p:nvPr>
+        </p:nvCxnSpPr>
+        <p:spPr>
+          <a:xfrm>
+            <a:off x="9480331" y="5123793"/>
+            <a:ext cx="935420" cy="0"/>
+          </a:xfrm>
+          <a:prstGeom prst="line">
+            <a:avLst/>
+          </a:prstGeom>
+          <a:ln w="25400" cap="sq">
+            <a:solidFill>
+              <a:schemeClr val="tx1">
+                <a:lumMod val="85000"/>
+                <a:lumOff val="15000"/>
+              </a:schemeClr>
+            </a:solidFill>
+            <a:bevel/>
+          </a:ln>
+        </p:spPr>
+        <p:style>
+          <a:lnRef idx="1">
+            <a:schemeClr val="accent1"/>
+          </a:lnRef>
+          <a:fillRef idx="0">
+            <a:schemeClr val="accent1"/>
+          </a:fillRef>
+          <a:effectRef idx="0">
+            <a:schemeClr val="accent1"/>
+          </a:effectRef>
+          <a:fontRef idx="minor">
+            <a:schemeClr val="tx1"/>
+          </a:fontRef>
+        </p:style>
+      </p:cxnSp>
+    </p:spTree>
+    <p:extLst>
+      <p:ext uri="{BB962C8B-B14F-4D97-AF65-F5344CB8AC3E}">
+        <p14:creationId xmlns:p14="http://schemas.microsoft.com/office/powerpoint/2010/main" val="3540761639"/>
+      </p:ext>
+    </p:extLst>
+  </p:cSld>
+  <p:clrMapOvr>
+    <a:masterClrMapping/>
+  </p:clrMapOvr>
+</p:sld>
+</file>
+
+<file path=ppt/slides/slide5.xml><?xml version="1.0" encoding="utf-8"?>
+<p:sld xmlns:a="http://schemas.openxmlformats.org/drawingml/2006/main" xmlns:r="http://schemas.openxmlformats.org/officeDocument/2006/relationships" xmlns:p="http://schemas.openxmlformats.org/presentationml/2006/main">
+  <p:cSld>
+    <p:bg>
+      <p:bgPr>
+        <a:solidFill>
+          <a:schemeClr val="bg1"/>
+        </a:solidFill>
+        <a:effectLst/>
+      </p:bgPr>
+    </p:bg>
+    <p:spTree>
+      <p:nvGrpSpPr>
+        <p:cNvPr id="1" name=""/>
+        <p:cNvGrpSpPr/>
+        <p:nvPr/>
+      </p:nvGrpSpPr>
+      <p:grpSpPr>
+        <a:xfrm>
+          <a:off x="0" y="0"/>
+          <a:ext cx="0" cy="0"/>
+          <a:chOff x="0" y="0"/>
+          <a:chExt cx="0" cy="0"/>
+        </a:xfrm>
+      </p:grpSpPr>
+      <p:sp useBgFill="1">
+        <p:nvSpPr>
+          <p:cNvPr id="54" name="Rectangle 53">
+            <a:extLst>
+              <a:ext uri="{FF2B5EF4-FFF2-40B4-BE49-F238E27FC236}">
+                <a16:creationId xmlns:a16="http://schemas.microsoft.com/office/drawing/2014/main" id="{0671A8AE-40A1-4631-A6B8-581AFF065482}"/>
+              </a:ext>
+              <a:ext uri="{C183D7F6-B498-43B3-948B-1728B52AA6E4}">
+                <adec:decorative xmlns:adec="http://schemas.microsoft.com/office/drawing/2017/decorative" val="1"/>
+              </a:ext>
+            </a:extLst>
+          </p:cNvPr>
+          <p:cNvSpPr>
+            <a:spLocks noGrp="1" noRot="1" noChangeAspect="1" noMove="1" noResize="1" noEditPoints="1" noAdjustHandles="1" noChangeArrowheads="1" noChangeShapeType="1" noTextEdit="1"/>
+          </p:cNvSpPr>
+          <p:nvPr>
+            <p:extLst>
+              <p:ext uri="{386F3935-93C4-4BCD-93E2-E3B085C9AB24}">
+                <p16:designElem xmlns:p16="http://schemas.microsoft.com/office/powerpoint/2015/main" val="1"/>
+              </p:ext>
+            </p:extLst>
+          </p:nvPr>
+        </p:nvSpPr>
+        <p:spPr>
+          <a:xfrm>
+            <a:off x="0" y="0"/>
+            <a:ext cx="12192000" cy="6858000"/>
+          </a:xfrm>
+          <a:prstGeom prst="rect">
+            <a:avLst/>
+          </a:prstGeom>
+          <a:ln>
+            <a:noFill/>
+          </a:ln>
+        </p:spPr>
+        <p:style>
+          <a:lnRef idx="2">
+            <a:schemeClr val="accent1">
+              <a:shade val="50000"/>
+            </a:schemeClr>
+          </a:lnRef>
+          <a:fillRef idx="1">
+            <a:schemeClr val="accent1"/>
+          </a:fillRef>
+          <a:effectRef idx="0">
+            <a:schemeClr val="accent1"/>
+          </a:effectRef>
+          <a:fontRef idx="minor">
+            <a:schemeClr val="lt1"/>
+          </a:fontRef>
+        </p:style>
+        <p:txBody>
+          <a:bodyPr rtlCol="0" anchor="ctr"/>
+          <a:lstStyle/>
+          <a:p>
+            <a:pPr algn="ctr"/>
+            <a:endParaRPr lang="en-US"/>
+          </a:p>
+        </p:txBody>
+      </p:sp>
+      <p:pic>
+        <p:nvPicPr>
+          <p:cNvPr id="5" name="Imagem 4">
+            <a:extLst>
+              <a:ext uri="{FF2B5EF4-FFF2-40B4-BE49-F238E27FC236}">
+                <a16:creationId xmlns:a16="http://schemas.microsoft.com/office/drawing/2014/main" id="{65E2E8AB-B81A-42AD-9026-28BAD3DDE440}"/>
+              </a:ext>
+            </a:extLst>
+          </p:cNvPr>
+          <p:cNvPicPr>
+            <a:picLocks noChangeAspect="1"/>
+          </p:cNvPicPr>
+          <p:nvPr/>
+        </p:nvPicPr>
+        <p:blipFill rotWithShape="1">
+          <a:blip r:embed="rId2"/>
+          <a:srcRect l="9727" r="30520" b="9090"/>
+          <a:stretch/>
+        </p:blipFill>
+        <p:spPr>
+          <a:xfrm>
+            <a:off x="3523488" y="10"/>
+            <a:ext cx="8668512" cy="6857990"/>
+          </a:xfrm>
+          <a:prstGeom prst="rect">
+            <a:avLst/>
+          </a:prstGeom>
+        </p:spPr>
+      </p:pic>
+      <p:sp>
+        <p:nvSpPr>
+          <p:cNvPr id="56" name="Rectangle 55">
+            <a:extLst>
+              <a:ext uri="{FF2B5EF4-FFF2-40B4-BE49-F238E27FC236}">
+                <a16:creationId xmlns:a16="http://schemas.microsoft.com/office/drawing/2014/main" id="{AB58EF07-17C2-48CF-ABB0-EEF1F17CB8F0}"/>
+              </a:ext>
+              <a:ext uri="{C183D7F6-B498-43B3-948B-1728B52AA6E4}">
+                <adec:decorative xmlns:adec="http://schemas.microsoft.com/office/drawing/2017/decorative" val="1"/>
+              </a:ext>
+            </a:extLst>
+          </p:cNvPr>
+          <p:cNvSpPr>
+            <a:spLocks noGrp="1" noRot="1" noChangeAspect="1" noMove="1" noResize="1" noEditPoints="1" noAdjustHandles="1" noChangeArrowheads="1" noChangeShapeType="1" noTextEdit="1"/>
+          </p:cNvSpPr>
+          <p:nvPr>
+            <p:extLst>
+              <p:ext uri="{386F3935-93C4-4BCD-93E2-E3B085C9AB24}">
+                <p16:designElem xmlns:p16="http://schemas.microsoft.com/office/powerpoint/2015/main" val="1"/>
+              </p:ext>
+            </p:extLst>
+          </p:nvPr>
+        </p:nvSpPr>
+        <p:spPr>
+          <a:xfrm>
+            <a:off x="3" y="0"/>
+            <a:ext cx="9339206" cy="6858000"/>
+          </a:xfrm>
+          <a:prstGeom prst="rect">
+            <a:avLst/>
+          </a:prstGeom>
+          <a:gradFill>
+            <a:gsLst>
+              <a:gs pos="58000">
+                <a:schemeClr val="bg1"/>
+              </a:gs>
+              <a:gs pos="33000">
+                <a:schemeClr val="bg1">
+                  <a:alpha val="64000"/>
+                </a:schemeClr>
+              </a:gs>
+              <a:gs pos="0">
+                <a:schemeClr val="bg1">
+                  <a:alpha val="0"/>
+                </a:schemeClr>
+              </a:gs>
+              <a:gs pos="100000">
+                <a:schemeClr val="bg1"/>
+              </a:gs>
+            </a:gsLst>
+            <a:lin ang="10800000" scaled="0"/>
+          </a:gradFill>
+          <a:ln>
+            <a:noFill/>
+          </a:ln>
+        </p:spPr>
+        <p:style>
+          <a:lnRef idx="2">
+            <a:schemeClr val="accent1">
+              <a:shade val="50000"/>
+            </a:schemeClr>
+          </a:lnRef>
+          <a:fillRef idx="1">
+            <a:schemeClr val="accent1"/>
+          </a:fillRef>
+          <a:effectRef idx="0">
+            <a:schemeClr val="accent1"/>
+          </a:effectRef>
+          <a:fontRef idx="minor">
+            <a:schemeClr val="lt1"/>
+          </a:fontRef>
+        </p:style>
+        <p:txBody>
+          <a:bodyPr rtlCol="0" anchor="ctr"/>
+          <a:lstStyle/>
+          <a:p>
+            <a:pPr algn="ctr"/>
+            <a:endParaRPr lang="en-US" dirty="0"/>
+          </a:p>
+        </p:txBody>
+      </p:sp>
+      <p:sp>
+        <p:nvSpPr>
+          <p:cNvPr id="49" name="CaixaDeTexto 48">
+            <a:extLst>
+              <a:ext uri="{FF2B5EF4-FFF2-40B4-BE49-F238E27FC236}">
+                <a16:creationId xmlns:a16="http://schemas.microsoft.com/office/drawing/2014/main" id="{14E0CCC1-C94E-421D-86B4-B5EA311A74DE}"/>
+              </a:ext>
+            </a:extLst>
+          </p:cNvPr>
+          <p:cNvSpPr txBox="1"/>
+          <p:nvPr/>
+        </p:nvSpPr>
+        <p:spPr>
+          <a:xfrm>
+            <a:off x="477981" y="1122363"/>
+            <a:ext cx="4023360" cy="3204134"/>
+          </a:xfrm>
+          <a:prstGeom prst="rect">
+            <a:avLst/>
+          </a:prstGeom>
+        </p:spPr>
+        <p:txBody>
+          <a:bodyPr vert="horz" lIns="91440" tIns="45720" rIns="91440" bIns="45720" rtlCol="0" anchor="b">
+            <a:normAutofit/>
+          </a:bodyPr>
+          <a:lstStyle/>
+          <a:p>
+            <a:pPr>
+              <a:lnSpc>
+                <a:spcPct val="90000"/>
+              </a:lnSpc>
+              <a:spcBef>
+                <a:spcPct val="0"/>
+              </a:spcBef>
+              <a:spcAft>
+                <a:spcPts val="600"/>
+              </a:spcAft>
+            </a:pPr>
+            <a:r>
+              <a:rPr lang="en-US" sz="4800" dirty="0">
+                <a:latin typeface="+mj-lt"/>
+                <a:ea typeface="+mj-ea"/>
+                <a:cs typeface="+mj-cs"/>
+              </a:rPr>
+              <a:t>Site</a:t>
+            </a:r>
+          </a:p>
+        </p:txBody>
+      </p:sp>
+      <p:sp>
+        <p:nvSpPr>
+          <p:cNvPr id="58" name="Rectangle 57">
+            <a:extLst>
+              <a:ext uri="{FF2B5EF4-FFF2-40B4-BE49-F238E27FC236}">
+                <a16:creationId xmlns:a16="http://schemas.microsoft.com/office/drawing/2014/main" id="{AF2F604E-43BE-4DC3-B983-E071523364F8}"/>
+              </a:ext>
+              <a:ext uri="{C183D7F6-B498-43B3-948B-1728B52AA6E4}">
+                <adec:decorative xmlns:adec="http://schemas.microsoft.com/office/drawing/2017/decorative" val="1"/>
+              </a:ext>
+            </a:extLst>
+          </p:cNvPr>
+          <p:cNvSpPr>
+            <a:spLocks noGrp="1" noRot="1" noChangeAspect="1" noMove="1" noResize="1" noEditPoints="1" noAdjustHandles="1" noChangeArrowheads="1" noChangeShapeType="1" noTextEdit="1"/>
+          </p:cNvSpPr>
+          <p:nvPr>
+            <p:extLst>
+              <p:ext uri="{386F3935-93C4-4BCD-93E2-E3B085C9AB24}">
+                <p16:designElem xmlns:p16="http://schemas.microsoft.com/office/powerpoint/2015/main" val="1"/>
+              </p:ext>
+            </p:extLst>
+          </p:nvPr>
+        </p:nvSpPr>
+        <p:spPr>
+          <a:xfrm rot="5400000">
+            <a:off x="759921" y="346791"/>
+            <a:ext cx="146304" cy="704088"/>
+          </a:xfrm>
+          <a:prstGeom prst="rect">
+            <a:avLst/>
+          </a:prstGeom>
+          <a:solidFill>
+            <a:schemeClr val="accent2"/>
+          </a:solidFill>
+          <a:ln>
+            <a:noFill/>
+          </a:ln>
+        </p:spPr>
+        <p:style>
+          <a:lnRef idx="2">
+            <a:schemeClr val="accent1">
+              <a:shade val="50000"/>
+            </a:schemeClr>
+          </a:lnRef>
+          <a:fillRef idx="1">
+            <a:schemeClr val="accent1"/>
+          </a:fillRef>
+          <a:effectRef idx="0">
+            <a:schemeClr val="accent1"/>
+          </a:effectRef>
+          <a:fontRef idx="minor">
+            <a:schemeClr val="lt1"/>
+          </a:fontRef>
+        </p:style>
+        <p:txBody>
+          <a:bodyPr rtlCol="0" anchor="ctr"/>
+          <a:lstStyle/>
+          <a:p>
+            <a:pPr algn="ctr"/>
+            <a:endParaRPr lang="en-US">
+              <a:solidFill>
+                <a:prstClr val="white"/>
+              </a:solidFill>
+              <a:latin typeface="Calibri" panose="020F0502020204030204"/>
+            </a:endParaRPr>
+          </a:p>
+        </p:txBody>
+      </p:sp>
+      <p:sp>
+        <p:nvSpPr>
+          <p:cNvPr id="60" name="Rectangle 59">
+            <a:extLst>
+              <a:ext uri="{FF2B5EF4-FFF2-40B4-BE49-F238E27FC236}">
+                <a16:creationId xmlns:a16="http://schemas.microsoft.com/office/drawing/2014/main" id="{08C9B587-E65E-4B52-B37C-ABEBB6E87928}"/>
+              </a:ext>
+              <a:ext uri="{C183D7F6-B498-43B3-948B-1728B52AA6E4}">
+                <adec:decorative xmlns:adec="http://schemas.microsoft.com/office/drawing/2017/decorative" val="1"/>
+              </a:ext>
+            </a:extLst>
+          </p:cNvPr>
+          <p:cNvSpPr>
+            <a:spLocks noGrp="1" noRot="1" noChangeAspect="1" noMove="1" noResize="1" noEditPoints="1" noAdjustHandles="1" noChangeArrowheads="1" noChangeShapeType="1" noTextEdit="1"/>
+          </p:cNvSpPr>
+          <p:nvPr>
+            <p:extLst>
+              <p:ext uri="{386F3935-93C4-4BCD-93E2-E3B085C9AB24}">
+                <p16:designElem xmlns:p16="http://schemas.microsoft.com/office/powerpoint/2015/main" val="1"/>
+              </p:ext>
+            </p:extLst>
+          </p:nvPr>
+        </p:nvSpPr>
+        <p:spPr>
+          <a:xfrm>
+            <a:off x="481029" y="4546920"/>
+            <a:ext cx="3977640" cy="18288"/>
+          </a:xfrm>
+          <a:prstGeom prst="rect">
+            <a:avLst/>
+          </a:prstGeom>
+          <a:solidFill>
+            <a:schemeClr val="tx1"/>
+          </a:solidFill>
+          <a:ln w="3175">
+            <a:noFill/>
+          </a:ln>
+          <a:effectLst/>
+        </p:spPr>
+        <p:style>
+          <a:lnRef idx="2">
+            <a:schemeClr val="accent1">
+              <a:shade val="50000"/>
+            </a:schemeClr>
+          </a:lnRef>
+          <a:fillRef idx="1">
+            <a:schemeClr val="accent1"/>
+          </a:fillRef>
+          <a:effectRef idx="0">
+            <a:schemeClr val="accent1"/>
+          </a:effectRef>
+          <a:fontRef idx="minor">
+            <a:schemeClr val="lt1"/>
+          </a:fontRef>
+        </p:style>
+        <p:txBody>
+          <a:bodyPr rtlCol="0" anchor="ctr"/>
+          <a:lstStyle/>
+          <a:p>
+            <a:pPr marL="0" marR="0" lvl="0" indent="0" algn="ctr" defTabSz="914400" rtl="0" eaLnBrk="1" fontAlgn="auto" latinLnBrk="0" hangingPunct="1">
+              <a:lnSpc>
+                <a:spcPct val="100000"/>
+              </a:lnSpc>
+              <a:spcBef>
+                <a:spcPts val="0"/>
+              </a:spcBef>
+              <a:spcAft>
+                <a:spcPts val="0"/>
+              </a:spcAft>
+              <a:buClrTx/>
+              <a:buSzTx/>
+              <a:buFontTx/>
+              <a:buNone/>
+              <a:tabLst/>
+              <a:defRPr/>
+            </a:pPr>
+            <a:endParaRPr kumimoji="0" lang="en-US" sz="1800" b="0" i="0" u="none" strike="noStrike" kern="1200" cap="none" spc="0" normalizeH="0" baseline="0" noProof="0">
+              <a:ln>
+                <a:noFill/>
+              </a:ln>
+              <a:solidFill>
+                <a:prstClr val="white"/>
+              </a:solidFill>
+              <a:effectLst/>
+              <a:uLnTx/>
+              <a:uFillTx/>
+              <a:latin typeface="Calibri" panose="020F0502020204030204"/>
+              <a:ea typeface="+mn-ea"/>
+              <a:cs typeface="+mn-cs"/>
+            </a:endParaRPr>
+          </a:p>
+        </p:txBody>
+      </p:sp>
+    </p:spTree>
+    <p:extLst>
+      <p:ext uri="{BB962C8B-B14F-4D97-AF65-F5344CB8AC3E}">
+        <p14:creationId xmlns:p14="http://schemas.microsoft.com/office/powerpoint/2010/main" val="3387055267"/>
+      </p:ext>
+    </p:extLst>
+  </p:cSld>
+  <p:clrMapOvr>
+    <a:overrideClrMapping bg1="dk1" tx1="lt1" bg2="dk2" tx2="lt2" accent1="accent1" accent2="accent2" accent3="accent3" accent4="accent4" accent5="accent5" accent6="accent6" hlink="hlink" folHlink="folHlink"/>
+  </p:clrMapOvr>
+</p:sld>
+</file>
+
+<file path=ppt/slides/slide6.xml><?xml version="1.0" encoding="utf-8"?>
+<p:sld xmlns:a="http://schemas.openxmlformats.org/drawingml/2006/main" xmlns:r="http://schemas.openxmlformats.org/officeDocument/2006/relationships" xmlns:p="http://schemas.openxmlformats.org/presentationml/2006/main">
+  <p:cSld>
+    <p:bg>
+      <p:bgPr>
         <a:blipFill dpi="0" rotWithShape="1">
           <a:blip r:embed="rId2">
             <a:lum/>
@@ -4951,7 +5685,7 @@
 </p:sld>
 </file>
 
-<file path=ppt/slides/slide5.xml><?xml version="1.0" encoding="utf-8"?>
+<file path=ppt/slides/slide7.xml><?xml version="1.0" encoding="utf-8"?>
 <p:sld xmlns:a="http://schemas.openxmlformats.org/drawingml/2006/main" xmlns:r="http://schemas.openxmlformats.org/officeDocument/2006/relationships" xmlns:p="http://schemas.openxmlformats.org/presentationml/2006/main">
   <p:cSld>
     <p:bg>
